--- a/车联网_网联车_国家战略/国家车联网产业标准体系进展情况_时间轴.pptx
+++ b/车联网_网联车_国家战略/国家车联网产业标准体系进展情况_时间轴.pptx
@@ -3160,7 +3160,7 @@
         </p:nvSpPr>
         <p:spPr>
           <a:xfrm>
-            <a:off x="5826125" y="4166870"/>
+            <a:off x="4356100" y="6090920"/>
             <a:ext cx="2427605" cy="709930"/>
           </a:xfrm>
           <a:prstGeom prst="rect">
@@ -3220,7 +3220,7 @@
         </p:nvGrpSpPr>
         <p:grpSpPr>
           <a:xfrm>
-            <a:off x="6511925" y="4913630"/>
+            <a:off x="5660390" y="4913630"/>
             <a:ext cx="794680" cy="1178560"/>
             <a:chOff x="10786" y="7050"/>
             <a:chExt cx="1355" cy="2124"/>
@@ -3448,7 +3448,7 @@
         </p:nvGrpSpPr>
         <p:grpSpPr>
           <a:xfrm>
-            <a:off x="5059680" y="4785995"/>
+            <a:off x="4576445" y="4785995"/>
             <a:ext cx="862712" cy="1178560"/>
             <a:chOff x="7702" y="6853"/>
             <a:chExt cx="1471" cy="2124"/>
@@ -3674,7 +3674,7 @@
         </p:nvSpPr>
         <p:spPr>
           <a:xfrm>
-            <a:off x="3174365" y="5760085"/>
+            <a:off x="2378075" y="5736590"/>
             <a:ext cx="2187575" cy="702945"/>
           </a:xfrm>
           <a:prstGeom prst="rect">
@@ -3734,7 +3734,7 @@
         </p:nvGrpSpPr>
         <p:grpSpPr>
           <a:xfrm>
-            <a:off x="3684270" y="4361815"/>
+            <a:off x="3627120" y="4393565"/>
             <a:ext cx="848637" cy="1178560"/>
             <a:chOff x="7702" y="6853"/>
             <a:chExt cx="1447" cy="2124"/>
@@ -3966,7 +3966,7 @@
         </p:nvSpPr>
         <p:spPr>
           <a:xfrm>
-            <a:off x="1342390" y="5038090"/>
+            <a:off x="1342390" y="4961890"/>
             <a:ext cx="2276475" cy="721995"/>
           </a:xfrm>
           <a:prstGeom prst="rect">
@@ -4026,7 +4026,7 @@
         </p:nvGrpSpPr>
         <p:grpSpPr>
           <a:xfrm>
-            <a:off x="4559300" y="2516505"/>
+            <a:off x="4819650" y="2313305"/>
             <a:ext cx="848703" cy="1178560"/>
             <a:chOff x="7702" y="6853"/>
             <a:chExt cx="1448" cy="2124"/>
@@ -4258,7 +4258,7 @@
         </p:nvSpPr>
         <p:spPr>
           <a:xfrm>
-            <a:off x="5313680" y="2481580"/>
+            <a:off x="5516880" y="2379980"/>
             <a:ext cx="2123440" cy="644525"/>
           </a:xfrm>
           <a:prstGeom prst="rect">
@@ -4546,7 +4546,7 @@
         </p:nvSpPr>
         <p:spPr>
           <a:xfrm>
-            <a:off x="3110865" y="1548130"/>
+            <a:off x="3110865" y="1522730"/>
             <a:ext cx="3275330" cy="702945"/>
           </a:xfrm>
           <a:prstGeom prst="rect">
@@ -4912,7 +4912,7 @@
         </p:nvGrpSpPr>
         <p:grpSpPr>
           <a:xfrm>
-            <a:off x="3110865" y="3390900"/>
+            <a:off x="3620135" y="3107690"/>
             <a:ext cx="848637" cy="1178560"/>
             <a:chOff x="7702" y="6853"/>
             <a:chExt cx="1447" cy="2124"/>
@@ -5144,7 +5144,7 @@
         </p:nvSpPr>
         <p:spPr>
           <a:xfrm>
-            <a:off x="639445" y="3606800"/>
+            <a:off x="1134745" y="3263900"/>
             <a:ext cx="2556510" cy="721995"/>
           </a:xfrm>
           <a:prstGeom prst="rect">
@@ -5232,6 +5232,292 @@
               <a:ea typeface="+mj-ea"/>
               <a:cs typeface="+mj-ea"/>
               <a:sym typeface="+mn-ea"/>
+            </a:endParaRPr>
+          </a:p>
+        </p:txBody>
+      </p:sp>
+      <p:grpSp>
+        <p:nvGrpSpPr>
+          <p:cNvPr id="3" name="组合 2"/>
+          <p:cNvGrpSpPr/>
+          <p:nvPr/>
+        </p:nvGrpSpPr>
+        <p:grpSpPr>
+          <a:xfrm>
+            <a:off x="6777355" y="5006340"/>
+            <a:ext cx="843944" cy="1178560"/>
+            <a:chOff x="10786" y="7050"/>
+            <a:chExt cx="1439" cy="2124"/>
+          </a:xfrm>
+        </p:grpSpPr>
+        <p:grpSp>
+          <p:nvGrpSpPr>
+            <p:cNvPr id="4" name="Group 63"/>
+            <p:cNvGrpSpPr>
+              <a:grpSpLocks noChangeAspect="1"/>
+            </p:cNvGrpSpPr>
+            <p:nvPr/>
+          </p:nvGrpSpPr>
+          <p:grpSpPr>
+            <a:xfrm>
+              <a:off x="10786" y="7050"/>
+              <a:ext cx="1338" cy="2124"/>
+              <a:chOff x="1257300" y="1962150"/>
+              <a:chExt cx="1257300" cy="1995489"/>
+            </a:xfrm>
+            <a:solidFill>
+              <a:srgbClr val="C00000"/>
+            </a:solidFill>
+          </p:grpSpPr>
+          <p:sp>
+            <p:nvSpPr>
+              <p:cNvPr id="5" name="Wave 58"/>
+              <p:cNvSpPr/>
+              <p:nvPr>
+                <p:custDataLst>
+                  <p:tags r:id="rId37"/>
+                </p:custDataLst>
+              </p:nvPr>
+            </p:nvSpPr>
+            <p:spPr>
+              <a:xfrm>
+                <a:off x="1447800" y="1962150"/>
+                <a:ext cx="1066800" cy="838200"/>
+              </a:xfrm>
+              <a:prstGeom prst="wave">
+                <a:avLst>
+                  <a:gd name="adj1" fmla="val 6364"/>
+                  <a:gd name="adj2" fmla="val 0"/>
+                </a:avLst>
+              </a:prstGeom>
+              <a:grpFill/>
+              <a:ln>
+                <a:noFill/>
+              </a:ln>
+            </p:spPr>
+            <p:style>
+              <a:lnRef idx="2">
+                <a:schemeClr val="accent1">
+                  <a:shade val="50000"/>
+                </a:schemeClr>
+              </a:lnRef>
+              <a:fillRef idx="1">
+                <a:schemeClr val="accent1"/>
+              </a:fillRef>
+              <a:effectRef idx="0">
+                <a:schemeClr val="accent1"/>
+              </a:effectRef>
+              <a:fontRef idx="minor">
+                <a:schemeClr val="lt1"/>
+              </a:fontRef>
+            </p:style>
+            <p:txBody>
+              <a:bodyPr rtlCol="0" anchor="ctr"/>
+              <a:p>
+                <a:pPr algn="ctr"/>
+                <a:endParaRPr lang="en-US"/>
+              </a:p>
+            </p:txBody>
+          </p:sp>
+          <p:sp>
+            <p:nvSpPr>
+              <p:cNvPr id="6" name="Can 62"/>
+              <p:cNvSpPr/>
+              <p:nvPr>
+                <p:custDataLst>
+                  <p:tags r:id="rId38"/>
+                </p:custDataLst>
+              </p:nvPr>
+            </p:nvSpPr>
+            <p:spPr>
+              <a:xfrm>
+                <a:off x="1257300" y="3843339"/>
+                <a:ext cx="304800" cy="114300"/>
+              </a:xfrm>
+              <a:prstGeom prst="can">
+                <a:avLst/>
+              </a:prstGeom>
+              <a:grpFill/>
+              <a:ln>
+                <a:noFill/>
+              </a:ln>
+            </p:spPr>
+            <p:style>
+              <a:lnRef idx="2">
+                <a:schemeClr val="accent1">
+                  <a:shade val="50000"/>
+                </a:schemeClr>
+              </a:lnRef>
+              <a:fillRef idx="1">
+                <a:schemeClr val="accent1"/>
+              </a:fillRef>
+              <a:effectRef idx="0">
+                <a:schemeClr val="accent1"/>
+              </a:effectRef>
+              <a:fontRef idx="minor">
+                <a:schemeClr val="lt1"/>
+              </a:fontRef>
+            </p:style>
+            <p:txBody>
+              <a:bodyPr rtlCol="0" anchor="ctr"/>
+              <a:p>
+                <a:pPr algn="ctr"/>
+                <a:endParaRPr lang="en-US"/>
+              </a:p>
+            </p:txBody>
+          </p:sp>
+          <p:sp>
+            <p:nvSpPr>
+              <p:cNvPr id="7" name="Can 61"/>
+              <p:cNvSpPr/>
+              <p:nvPr>
+                <p:custDataLst>
+                  <p:tags r:id="rId39"/>
+                </p:custDataLst>
+              </p:nvPr>
+            </p:nvSpPr>
+            <p:spPr>
+              <a:xfrm>
+                <a:off x="1371600" y="1962150"/>
+                <a:ext cx="76200" cy="1905000"/>
+              </a:xfrm>
+              <a:prstGeom prst="can">
+                <a:avLst/>
+              </a:prstGeom>
+              <a:grpFill/>
+              <a:ln>
+                <a:noFill/>
+              </a:ln>
+            </p:spPr>
+            <p:style>
+              <a:lnRef idx="2">
+                <a:schemeClr val="accent1">
+                  <a:shade val="50000"/>
+                </a:schemeClr>
+              </a:lnRef>
+              <a:fillRef idx="1">
+                <a:schemeClr val="accent1"/>
+              </a:fillRef>
+              <a:effectRef idx="0">
+                <a:schemeClr val="accent1"/>
+              </a:effectRef>
+              <a:fontRef idx="minor">
+                <a:schemeClr val="lt1"/>
+              </a:fontRef>
+            </p:style>
+            <p:txBody>
+              <a:bodyPr rtlCol="0" anchor="ctr"/>
+              <a:p>
+                <a:pPr algn="ctr"/>
+                <a:endParaRPr lang="en-US"/>
+              </a:p>
+            </p:txBody>
+          </p:sp>
+        </p:grpSp>
+        <p:sp>
+          <p:nvSpPr>
+            <p:cNvPr id="8" name="文本框 7"/>
+            <p:cNvSpPr txBox="1"/>
+            <p:nvPr>
+              <p:custDataLst>
+                <p:tags r:id="rId40"/>
+              </p:custDataLst>
+            </p:nvPr>
+          </p:nvSpPr>
+          <p:spPr>
+            <a:xfrm>
+              <a:off x="10861" y="7214"/>
+              <a:ext cx="1364" cy="553"/>
+            </a:xfrm>
+            <a:prstGeom prst="rect">
+              <a:avLst/>
+            </a:prstGeom>
+            <a:noFill/>
+          </p:spPr>
+          <p:txBody>
+            <a:bodyPr wrap="square" rtlCol="0" anchor="t">
+              <a:spAutoFit/>
+            </a:bodyPr>
+            <a:p>
+              <a:r>
+                <a:rPr lang="zh-CN" altLang="en-US" sz="1400" b="1">
+                  <a:sym typeface="+mn-ea"/>
+                </a:rPr>
+                <a:t>2023</a:t>
+              </a:r>
+              <a:r>
+                <a:rPr lang="en-US" altLang="zh-CN" sz="1400" b="1">
+                  <a:sym typeface="+mn-ea"/>
+                </a:rPr>
+                <a:t>.11</a:t>
+              </a:r>
+              <a:endParaRPr lang="en-US" altLang="zh-CN" sz="1400" b="1">
+                <a:sym typeface="+mn-ea"/>
+              </a:endParaRPr>
+            </a:p>
+          </p:txBody>
+        </p:sp>
+      </p:grpSp>
+      <p:sp>
+        <p:nvSpPr>
+          <p:cNvPr id="9" name="文本框 8"/>
+          <p:cNvSpPr txBox="1"/>
+          <p:nvPr>
+            <p:custDataLst>
+              <p:tags r:id="rId41"/>
+            </p:custDataLst>
+          </p:nvPr>
+        </p:nvSpPr>
+        <p:spPr>
+          <a:xfrm>
+            <a:off x="6269355" y="4043045"/>
+            <a:ext cx="2618105" cy="1094740"/>
+          </a:xfrm>
+          <a:prstGeom prst="rect">
+            <a:avLst/>
+          </a:prstGeom>
+          <a:noFill/>
+        </p:spPr>
+        <p:txBody>
+          <a:bodyPr wrap="square" rtlCol="0" anchor="t">
+            <a:noAutofit/>
+          </a:bodyPr>
+          <a:p>
+            <a:pPr algn="ctr"/>
+            <a:r>
+              <a:rPr lang="zh-CN" altLang="en-US" sz="1400" b="1">
+                <a:solidFill>
+                  <a:srgbClr val="C00000"/>
+                </a:solidFill>
+                <a:latin typeface="黑体" panose="02010609060101010101" charset="-122"/>
+                <a:ea typeface="黑体" panose="02010609060101010101" charset="-122"/>
+                <a:cs typeface="黑体" panose="02010609060101010101" charset="-122"/>
+              </a:rPr>
+              <a:t>工信部、公安部、住房和城乡建设部、交通运输部</a:t>
+            </a:r>
+            <a:endParaRPr lang="zh-CN" altLang="en-US" sz="1400" b="1">
+              <a:solidFill>
+                <a:srgbClr val="C00000"/>
+              </a:solidFill>
+              <a:latin typeface="黑体" panose="02010609060101010101" charset="-122"/>
+              <a:ea typeface="黑体" panose="02010609060101010101" charset="-122"/>
+              <a:cs typeface="黑体" panose="02010609060101010101" charset="-122"/>
+            </a:endParaRPr>
+          </a:p>
+          <a:p>
+            <a:pPr algn="ctr"/>
+            <a:r>
+              <a:rPr lang="zh-CN" altLang="en-US" sz="1400">
+                <a:latin typeface="黑体" panose="02010609060101010101" charset="-122"/>
+                <a:ea typeface="黑体" panose="02010609060101010101" charset="-122"/>
+                <a:cs typeface="黑体" panose="02010609060101010101" charset="-122"/>
+              </a:rPr>
+              <a:t>《智能网联汽车准入和上路通行试点实施指南（试行）》</a:t>
+            </a:r>
+            <a:endParaRPr lang="zh-CN" altLang="en-US" sz="1400">
+              <a:latin typeface="黑体" panose="02010609060101010101" charset="-122"/>
+              <a:ea typeface="黑体" panose="02010609060101010101" charset="-122"/>
+              <a:cs typeface="黑体" panose="02010609060101010101" charset="-122"/>
             </a:endParaRPr>
           </a:p>
         </p:txBody>
@@ -5433,13 +5719,43 @@
 
 <file path=ppt/tags/tag37.xml><?xml version="1.0" encoding="utf-8"?>
 <p:tagLst xmlns:p="http://schemas.openxmlformats.org/presentationml/2006/main">
-  <p:tag name="commondata" val="eyJoZGlkIjoiMTAwMTY5Y2IyODU5ZTE2NWM4ZmQ5NmJhOGQ0ZWVlMGIifQ=="/>
+  <p:tag name="KSO_WM_BEAUTIFY_FLAG" val=""/>
+</p:tagLst>
+</file>
+
+<file path=ppt/tags/tag38.xml><?xml version="1.0" encoding="utf-8"?>
+<p:tagLst xmlns:p="http://schemas.openxmlformats.org/presentationml/2006/main">
+  <p:tag name="KSO_WM_BEAUTIFY_FLAG" val=""/>
+</p:tagLst>
+</file>
+
+<file path=ppt/tags/tag39.xml><?xml version="1.0" encoding="utf-8"?>
+<p:tagLst xmlns:p="http://schemas.openxmlformats.org/presentationml/2006/main">
+  <p:tag name="KSO_WM_BEAUTIFY_FLAG" val=""/>
 </p:tagLst>
 </file>
 
 <file path=ppt/tags/tag4.xml><?xml version="1.0" encoding="utf-8"?>
 <p:tagLst xmlns:p="http://schemas.openxmlformats.org/presentationml/2006/main">
   <p:tag name="KSO_WM_BEAUTIFY_FLAG" val=""/>
+</p:tagLst>
+</file>
+
+<file path=ppt/tags/tag40.xml><?xml version="1.0" encoding="utf-8"?>
+<p:tagLst xmlns:p="http://schemas.openxmlformats.org/presentationml/2006/main">
+  <p:tag name="KSO_WM_BEAUTIFY_FLAG" val=""/>
+</p:tagLst>
+</file>
+
+<file path=ppt/tags/tag41.xml><?xml version="1.0" encoding="utf-8"?>
+<p:tagLst xmlns:p="http://schemas.openxmlformats.org/presentationml/2006/main">
+  <p:tag name="KSO_WM_BEAUTIFY_FLAG" val=""/>
+</p:tagLst>
+</file>
+
+<file path=ppt/tags/tag42.xml><?xml version="1.0" encoding="utf-8"?>
+<p:tagLst xmlns:p="http://schemas.openxmlformats.org/presentationml/2006/main">
+  <p:tag name="commondata" val="eyJoZGlkIjoiMTAwMTY5Y2IyODU5ZTE2NWM4ZmQ5NmJhOGQ0ZWVlMGIifQ=="/>
 </p:tagLst>
 </file>
 
